--- a/Presentations for Visual Studio Code MVA/06.WebJobsNode.pptx
+++ b/Presentations for Visual Studio Code MVA/06.WebJobsNode.pptx
@@ -5,10 +5,10 @@
     <p:sldMasterId id="2147483660" r:id="rId4"/>
   </p:sldMasterIdLst>
   <p:notesMasterIdLst>
-    <p:notesMasterId r:id="rId16"/>
+    <p:notesMasterId r:id="rId15"/>
   </p:notesMasterIdLst>
   <p:handoutMasterIdLst>
-    <p:handoutMasterId r:id="rId17"/>
+    <p:handoutMasterId r:id="rId16"/>
   </p:handoutMasterIdLst>
   <p:sldIdLst>
     <p:sldId id="256" r:id="rId5"/>
@@ -18,10 +18,9 @@
     <p:sldId id="284" r:id="rId9"/>
     <p:sldId id="275" r:id="rId10"/>
     <p:sldId id="282" r:id="rId11"/>
-    <p:sldId id="280" r:id="rId12"/>
-    <p:sldId id="279" r:id="rId13"/>
-    <p:sldId id="281" r:id="rId14"/>
-    <p:sldId id="263" r:id="rId15"/>
+    <p:sldId id="279" r:id="rId12"/>
+    <p:sldId id="281" r:id="rId13"/>
+    <p:sldId id="263" r:id="rId14"/>
   </p:sldIdLst>
   <p:sldSz cx="12192000" cy="6858000"/>
   <p:notesSz cx="6858000" cy="9144000"/>
@@ -3764,59 +3763,6 @@
           <a:chExt cx="0" cy="0"/>
         </a:xfrm>
       </p:grpSpPr>
-      <p:sp>
-        <p:nvSpPr>
-          <p:cNvPr id="2" name="Title 1"/>
-          <p:cNvSpPr>
-            <a:spLocks noGrp="1"/>
-          </p:cNvSpPr>
-          <p:nvPr>
-            <p:ph type="title"/>
-          </p:nvPr>
-        </p:nvSpPr>
-        <p:spPr/>
-        <p:txBody>
-          <a:bodyPr/>
-          <a:lstStyle/>
-          <a:p>
-            <a:r>
-              <a:rPr lang="en-US" dirty="0" smtClean="0"/>
-              <a:t>Deploying and Debugging</a:t>
-            </a:r>
-            <a:endParaRPr lang="en-US" dirty="0"/>
-          </a:p>
-        </p:txBody>
-      </p:sp>
-    </p:spTree>
-    <p:extLst>
-      <p:ext uri="{BB962C8B-B14F-4D97-AF65-F5344CB8AC3E}">
-        <p14:creationId xmlns:p14="http://schemas.microsoft.com/office/powerpoint/2010/main" val="3214774150"/>
-      </p:ext>
-    </p:extLst>
-  </p:cSld>
-  <p:clrMapOvr>
-    <a:masterClrMapping/>
-  </p:clrMapOvr>
-</p:sld>
-</file>
-
-<file path=ppt/slides/slide11.xml><?xml version="1.0" encoding="utf-8"?>
-<p:sld xmlns:a="http://schemas.openxmlformats.org/drawingml/2006/main" xmlns:r="http://schemas.openxmlformats.org/officeDocument/2006/relationships" xmlns:p="http://schemas.openxmlformats.org/presentationml/2006/main">
-  <p:cSld>
-    <p:spTree>
-      <p:nvGrpSpPr>
-        <p:cNvPr id="1" name=""/>
-        <p:cNvGrpSpPr/>
-        <p:nvPr/>
-      </p:nvGrpSpPr>
-      <p:grpSpPr>
-        <a:xfrm>
-          <a:off x="0" y="0"/>
-          <a:ext cx="0" cy="0"/>
-          <a:chOff x="0" y="0"/>
-          <a:chExt cx="0" cy="0"/>
-        </a:xfrm>
-      </p:grpSpPr>
     </p:spTree>
     <p:extLst>
       <p:ext uri="{BB962C8B-B14F-4D97-AF65-F5344CB8AC3E}">
@@ -4539,17 +4485,21 @@
           <a:lstStyle/>
           <a:p>
             <a:r>
-              <a:rPr lang="en-US" dirty="0" smtClean="0"/>
-              <a:t>Deploying to Azure with the Command Line</a:t>
-            </a:r>
-            <a:endParaRPr lang="en-US" dirty="0"/>
+              <a:rPr lang="en-GB" dirty="0"/>
+              <a:t>Using Azure Storage in a </a:t>
+            </a:r>
+            <a:r>
+              <a:rPr lang="en-GB" dirty="0" err="1"/>
+              <a:t>WebJob</a:t>
+            </a:r>
+            <a:endParaRPr lang="en-GB" dirty="0"/>
           </a:p>
         </p:txBody>
       </p:sp>
     </p:spTree>
     <p:extLst>
       <p:ext uri="{BB962C8B-B14F-4D97-AF65-F5344CB8AC3E}">
-        <p14:creationId xmlns:p14="http://schemas.microsoft.com/office/powerpoint/2010/main" val="2548092044"/>
+        <p14:creationId xmlns:p14="http://schemas.microsoft.com/office/powerpoint/2010/main" val="3216181374"/>
       </p:ext>
     </p:extLst>
   </p:cSld>
@@ -4592,21 +4542,17 @@
           <a:lstStyle/>
           <a:p>
             <a:r>
-              <a:rPr lang="en-GB" dirty="0"/>
-              <a:t>Using Azure Storage in a </a:t>
-            </a:r>
-            <a:r>
-              <a:rPr lang="en-GB" dirty="0" err="1"/>
-              <a:t>WebJob</a:t>
-            </a:r>
-            <a:endParaRPr lang="en-GB" dirty="0"/>
+              <a:rPr lang="en-US" dirty="0" smtClean="0"/>
+              <a:t>Deploying and Debugging</a:t>
+            </a:r>
+            <a:endParaRPr lang="en-US" dirty="0"/>
           </a:p>
         </p:txBody>
       </p:sp>
     </p:spTree>
     <p:extLst>
       <p:ext uri="{BB962C8B-B14F-4D97-AF65-F5344CB8AC3E}">
-        <p14:creationId xmlns:p14="http://schemas.microsoft.com/office/powerpoint/2010/main" val="3216181374"/>
+        <p14:creationId xmlns:p14="http://schemas.microsoft.com/office/powerpoint/2010/main" val="3214774150"/>
       </p:ext>
     </p:extLst>
   </p:cSld>
@@ -5424,6 +5370,15 @@
 </file>
 
 <file path=customXml/item1.xml><?xml version="1.0" encoding="utf-8"?>
+<?mso-contentType ?>
+<FormTemplates xmlns="http://schemas.microsoft.com/sharepoint/v3/contenttype/forms">
+  <Display>DocumentLibraryForm</Display>
+  <Edit>DocumentLibraryForm</Edit>
+  <New>DocumentLibraryForm</New>
+</FormTemplates>
+</file>
+
+<file path=customXml/item2.xml><?xml version="1.0" encoding="utf-8"?>
 <ct:contentTypeSchema xmlns:ct="http://schemas.microsoft.com/office/2006/metadata/contentType" xmlns:ma="http://schemas.microsoft.com/office/2006/metadata/properties/metaAttributes" ct:_="" ma:_="" ma:contentTypeName="Document" ma:contentTypeID="0x010100391E57C78B9F604FB8BAD296D1460E2A" ma:contentTypeVersion="1" ma:contentTypeDescription="Create a new document." ma:contentTypeScope="" ma:versionID="fb382fe2362acd2155f454904f478e4d">
   <xsd:schema xmlns:xsd="http://www.w3.org/2001/XMLSchema" xmlns:xs="http://www.w3.org/2001/XMLSchema" xmlns:p="http://schemas.microsoft.com/office/2006/metadata/properties" xmlns:ns3="636b0322-90fb-440c-9cbc-22749e7231e9" targetNamespace="http://schemas.microsoft.com/office/2006/metadata/properties" ma:root="true" ma:fieldsID="b9887c63ce4710c1aeb75a5f03aecb69" ns3:_="">
     <xsd:import namespace="636b0322-90fb-440c-9cbc-22749e7231e9"/>
@@ -5563,15 +5518,6 @@
 </ct:contentTypeSchema>
 </file>
 
-<file path=customXml/item2.xml><?xml version="1.0" encoding="utf-8"?>
-<?mso-contentType ?>
-<FormTemplates xmlns="http://schemas.microsoft.com/sharepoint/v3/contenttype/forms">
-  <Display>DocumentLibraryForm</Display>
-  <Edit>DocumentLibraryForm</Edit>
-  <New>DocumentLibraryForm</New>
-</FormTemplates>
-</file>
-
 <file path=customXml/item3.xml><?xml version="1.0" encoding="utf-8"?>
 <p:properties xmlns:p="http://schemas.microsoft.com/office/2006/metadata/properties" xmlns:xsi="http://www.w3.org/2001/XMLSchema-instance" xmlns:pc="http://schemas.microsoft.com/office/infopath/2007/PartnerControls">
   <documentManagement/>
@@ -5579,6 +5525,14 @@
 </file>
 
 <file path=customXml/itemProps1.xml><?xml version="1.0" encoding="utf-8"?>
+<ds:datastoreItem xmlns:ds="http://schemas.openxmlformats.org/officeDocument/2006/customXml" ds:itemID="{B0CA13EC-1D3C-4D6F-8D1C-E8A452CFC79A}">
+  <ds:schemaRefs>
+    <ds:schemaRef ds:uri="http://schemas.microsoft.com/sharepoint/v3/contenttype/forms"/>
+  </ds:schemaRefs>
+</ds:datastoreItem>
+</file>
+
+<file path=customXml/itemProps2.xml><?xml version="1.0" encoding="utf-8"?>
 <ds:datastoreItem xmlns:ds="http://schemas.openxmlformats.org/officeDocument/2006/customXml" ds:itemID="{7B70CE0C-0988-423A-BF66-B40F6A1061FF}">
   <ds:schemaRefs>
     <ds:schemaRef ds:uri="http://schemas.microsoft.com/office/2006/metadata/contentType"/>
@@ -5592,14 +5546,6 @@
     <ds:schemaRef ds:uri="http://purl.org/dc/elements/1.1/"/>
     <ds:schemaRef ds:uri="http://purl.org/dc/terms/"/>
     <ds:schemaRef ds:uri="http://schemas.microsoft.com/internal/obd"/>
-  </ds:schemaRefs>
-</ds:datastoreItem>
-</file>
-
-<file path=customXml/itemProps2.xml><?xml version="1.0" encoding="utf-8"?>
-<ds:datastoreItem xmlns:ds="http://schemas.openxmlformats.org/officeDocument/2006/customXml" ds:itemID="{B0CA13EC-1D3C-4D6F-8D1C-E8A452CFC79A}">
-  <ds:schemaRefs>
-    <ds:schemaRef ds:uri="http://schemas.microsoft.com/sharepoint/v3/contenttype/forms"/>
   </ds:schemaRefs>
 </ds:datastoreItem>
 </file>
